--- a/プレゼンテーション3.pptx
+++ b/プレゼンテーション3.pptx
@@ -11393,6 +11393,13 @@
           <a:bodyPr/>
           <a:lstStyle/>
           <a:p>
+            <a:pPr marL="0" indent="0">
+              <a:buNone/>
+            </a:pPr>
+            <a:r>
+              <a:rPr lang="en-US" altLang="ja-JP"/>
+              <a:t>jisyooooooooo</a:t>
+            </a:r>
             <a:endParaRPr kumimoji="1" lang="ja-JP" altLang="en-US"/>
           </a:p>
         </p:txBody>

--- a/プレゼンテーション3.pptx
+++ b/プレゼンテーション3.pptx
@@ -11397,8 +11397,12 @@
               <a:buNone/>
             </a:pPr>
             <a:r>
+              <a:rPr lang="en-US" altLang="ja-JP" dirty="0" err="1"/>
+              <a:t>Jisyooooooo</a:t>
+            </a:r>
+            <a:r>
               <a:rPr lang="en-US" altLang="ja-JP"/>
-              <a:t>jisyooooooooo</a:t>
+              <a:t>!!!!!!!!!!oo</a:t>
             </a:r>
             <a:endParaRPr kumimoji="1" lang="ja-JP" altLang="en-US"/>
           </a:p>

--- a/プレゼンテーション3.pptx
+++ b/プレゼンテーション3.pptx
@@ -11393,17 +11393,6 @@
           <a:bodyPr/>
           <a:lstStyle/>
           <a:p>
-            <a:pPr marL="0" indent="0">
-              <a:buNone/>
-            </a:pPr>
-            <a:r>
-              <a:rPr lang="en-US" altLang="ja-JP" dirty="0" err="1"/>
-              <a:t>Jisyooooooo</a:t>
-            </a:r>
-            <a:r>
-              <a:rPr lang="en-US" altLang="ja-JP"/>
-              <a:t>!!!!!!!!!!oo</a:t>
-            </a:r>
             <a:endParaRPr kumimoji="1" lang="ja-JP" altLang="en-US"/>
           </a:p>
         </p:txBody>

--- a/プレゼンテーション3.pptx
+++ b/プレゼンテーション3.pptx
@@ -11393,6 +11393,10 @@
           <a:bodyPr/>
           <a:lstStyle/>
           <a:p>
+            <a:r>
+              <a:rPr kumimoji="1" lang="en-US" altLang="ja-JP"/>
+              <a:t>ssss</a:t>
+            </a:r>
             <a:endParaRPr kumimoji="1" lang="ja-JP" altLang="en-US"/>
           </a:p>
         </p:txBody>

--- a/プレゼンテーション3.pptx
+++ b/プレゼンテーション3.pptx
@@ -11397,8 +11397,12 @@
               <a:buNone/>
             </a:pPr>
             <a:r>
+              <a:rPr lang="en-US" altLang="ja-JP" dirty="0" err="1"/>
+              <a:t>Jisyooooooooo</a:t>
+            </a:r>
+            <a:r>
               <a:rPr lang="en-US" altLang="ja-JP"/>
-              <a:t>jisyooooooooo</a:t>
+              <a:t>???</a:t>
             </a:r>
             <a:endParaRPr kumimoji="1" lang="ja-JP" altLang="en-US"/>
           </a:p>
